--- a/Chit Fund.pptx
+++ b/Chit Fund.pptx
@@ -9,7 +9,8 @@
     <p:sldId id="257" r:id="rId3"/>
     <p:sldId id="258" r:id="rId4"/>
     <p:sldId id="259" r:id="rId5"/>
-    <p:sldId id="260" r:id="rId6"/>
+    <p:sldId id="261" r:id="rId6"/>
+    <p:sldId id="260" r:id="rId7"/>
   </p:sldIdLst>
   <p:sldSz cx="12192000" cy="6858000"/>
   <p:notesSz cx="6858000" cy="9144000"/>
@@ -20868,6 +20869,36 @@
           </a:prstGeom>
         </p:spPr>
       </p:pic>
+      <p:sp>
+        <p:nvSpPr>
+          <p:cNvPr id="4" name="TextBox 3"/>
+          <p:cNvSpPr txBox="1"/>
+          <p:nvPr/>
+        </p:nvSpPr>
+        <p:spPr>
+          <a:xfrm>
+            <a:off x="228600" y="0"/>
+            <a:ext cx="1032655" cy="369332"/>
+          </a:xfrm>
+          <a:prstGeom prst="rect">
+            <a:avLst/>
+          </a:prstGeom>
+          <a:noFill/>
+        </p:spPr>
+        <p:txBody>
+          <a:bodyPr wrap="none" rtlCol="0">
+            <a:spAutoFit/>
+          </a:bodyPr>
+          <a:lstStyle/>
+          <a:p>
+            <a:r>
+              <a:rPr lang="en-US" dirty="0" smtClean="0"/>
+              <a:t>Chit Fund</a:t>
+            </a:r>
+            <a:endParaRPr lang="en-US" dirty="0"/>
+          </a:p>
+        </p:txBody>
+      </p:sp>
     </p:spTree>
     <p:extLst>
       <p:ext uri="{BB962C8B-B14F-4D97-AF65-F5344CB8AC3E}">
@@ -20991,10 +21022,51 @@
             </a:r>
             <a:r>
               <a:rPr lang="en-US" dirty="0"/>
-              <a:t>helps by inculcating the habit of saving money.</a:t>
+              <a:t>helps by inculcating the habit of saving money</a:t>
+            </a:r>
+            <a:r>
+              <a:rPr lang="en-US" dirty="0" smtClean="0"/>
+              <a:t>.</a:t>
             </a:r>
           </a:p>
           <a:p>
+            <a:r>
+              <a:rPr lang="en-US" dirty="0" smtClean="0"/>
+              <a:t>5. Risk free , you get the lump sum its just about when.</a:t>
+            </a:r>
+            <a:endParaRPr lang="en-US" dirty="0"/>
+          </a:p>
+          <a:p>
+            <a:endParaRPr lang="en-US" dirty="0"/>
+          </a:p>
+        </p:txBody>
+      </p:sp>
+      <p:sp>
+        <p:nvSpPr>
+          <p:cNvPr id="5" name="TextBox 4"/>
+          <p:cNvSpPr txBox="1"/>
+          <p:nvPr/>
+        </p:nvSpPr>
+        <p:spPr>
+          <a:xfrm>
+            <a:off x="507800" y="115300"/>
+            <a:ext cx="1032655" cy="369332"/>
+          </a:xfrm>
+          <a:prstGeom prst="rect">
+            <a:avLst/>
+          </a:prstGeom>
+          <a:noFill/>
+        </p:spPr>
+        <p:txBody>
+          <a:bodyPr wrap="none" rtlCol="0">
+            <a:spAutoFit/>
+          </a:bodyPr>
+          <a:lstStyle/>
+          <a:p>
+            <a:r>
+              <a:rPr lang="en-US" dirty="0" smtClean="0"/>
+              <a:t>Chit Fund</a:t>
+            </a:r>
             <a:endParaRPr lang="en-US" dirty="0"/>
           </a:p>
         </p:txBody>
@@ -21076,15 +21148,7 @@
           <a:p>
             <a:r>
               <a:rPr lang="en-US" dirty="0" smtClean="0"/>
-              <a:t>1. Offline chits have central </a:t>
-            </a:r>
-            <a:r>
-              <a:rPr lang="en-US" dirty="0" err="1" smtClean="0"/>
-              <a:t>organisations</a:t>
-            </a:r>
-            <a:r>
-              <a:rPr lang="en-US" dirty="0" smtClean="0"/>
-              <a:t> and there is a risk of fraud. Making the organization decentralized makes it trustless.</a:t>
+              <a:t>1. Offline chits have central organizations and there is a risk of fraud. Making the organization decentralized makes it trustless.</a:t>
             </a:r>
           </a:p>
           <a:p>
@@ -21094,6 +21158,42 @@
             </a:r>
           </a:p>
           <a:p>
+            <a:r>
+              <a:rPr lang="en-US" dirty="0" smtClean="0"/>
+              <a:t>3. The winner selection is completely unbiased thanks to VeeDo’s Randomness Beacon.</a:t>
+            </a:r>
+          </a:p>
+          <a:p>
+            <a:endParaRPr lang="en-US" dirty="0"/>
+          </a:p>
+        </p:txBody>
+      </p:sp>
+      <p:sp>
+        <p:nvSpPr>
+          <p:cNvPr id="4" name="TextBox 3"/>
+          <p:cNvSpPr txBox="1"/>
+          <p:nvPr/>
+        </p:nvSpPr>
+        <p:spPr>
+          <a:xfrm>
+            <a:off x="323193" y="115300"/>
+            <a:ext cx="1032655" cy="369332"/>
+          </a:xfrm>
+          <a:prstGeom prst="rect">
+            <a:avLst/>
+          </a:prstGeom>
+          <a:noFill/>
+        </p:spPr>
+        <p:txBody>
+          <a:bodyPr wrap="none" rtlCol="0">
+            <a:spAutoFit/>
+          </a:bodyPr>
+          <a:lstStyle/>
+          <a:p>
+            <a:r>
+              <a:rPr lang="en-US" dirty="0" smtClean="0"/>
+              <a:t>Chit Fund</a:t>
+            </a:r>
             <a:endParaRPr lang="en-US" dirty="0"/>
           </a:p>
         </p:txBody>
@@ -21145,30 +21245,58 @@
             <p:ph type="title"/>
           </p:nvPr>
         </p:nvSpPr>
-        <p:spPr>
-          <a:xfrm>
-            <a:off x="4272456" y="2760856"/>
-            <a:ext cx="3066393" cy="1511598"/>
-          </a:xfrm>
-        </p:spPr>
+        <p:spPr/>
         <p:txBody>
-          <a:bodyPr>
-            <a:normAutofit fontScale="90000"/>
-          </a:bodyPr>
+          <a:bodyPr/>
           <a:lstStyle/>
           <a:p>
-            <a:pPr algn="ctr"/>
             <a:r>
-              <a:rPr lang="en-US" sz="9600" dirty="0" smtClean="0"/>
-              <a:t>Thanks</a:t>
+              <a:rPr lang="en-US" dirty="0" smtClean="0"/>
+              <a:t>FUTURE IMPROVEMENTS</a:t>
+            </a:r>
+            <a:endParaRPr lang="en-US" dirty="0"/>
+          </a:p>
+        </p:txBody>
+      </p:sp>
+      <p:sp>
+        <p:nvSpPr>
+          <p:cNvPr id="3" name="Content Placeholder 2"/>
+          <p:cNvSpPr>
+            <a:spLocks noGrp="1"/>
+          </p:cNvSpPr>
+          <p:nvPr>
+            <p:ph idx="1"/>
+          </p:nvPr>
+        </p:nvSpPr>
+        <p:spPr/>
+        <p:txBody>
+          <a:bodyPr/>
+          <a:lstStyle/>
+          <a:p>
+            <a:r>
+              <a:rPr lang="en-US" dirty="0" smtClean="0"/>
+              <a:t>1. Introduce collateral , so no member defaults . One way’s to integrate it with a currently established </a:t>
+            </a:r>
+            <a:r>
+              <a:rPr lang="en-US" dirty="0" err="1" smtClean="0"/>
+              <a:t>DeFi</a:t>
             </a:r>
             <a:r>
               <a:rPr lang="en-US" dirty="0" smtClean="0"/>
-              <a:t/>
+              <a:t> platform where the user have already submitted collateral.</a:t>
             </a:r>
-            <a:br>
+          </a:p>
+          <a:p>
+            <a:r>
               <a:rPr lang="en-US" dirty="0" smtClean="0"/>
-            </a:br>
+              <a:t>2. ‘Trust members Chit’ to avoid collateral . The organizer then creates the chit with trusted members avoiding need </a:t>
+            </a:r>
+            <a:r>
+              <a:rPr lang="en-US" smtClean="0"/>
+              <a:t>for collateral.</a:t>
+            </a:r>
+          </a:p>
+          <a:p>
             <a:endParaRPr lang="en-US" dirty="0"/>
           </a:p>
         </p:txBody>
@@ -21176,7 +21304,67 @@
     </p:spTree>
     <p:extLst>
       <p:ext uri="{BB962C8B-B14F-4D97-AF65-F5344CB8AC3E}">
-        <p14:creationId xmlns:p14="http://schemas.microsoft.com/office/powerpoint/2010/main" val="1466582273"/>
+        <p14:creationId xmlns:p14="http://schemas.microsoft.com/office/powerpoint/2010/main" val="2722387823"/>
+      </p:ext>
+    </p:extLst>
+  </p:cSld>
+  <p:clrMapOvr>
+    <a:masterClrMapping/>
+  </p:clrMapOvr>
+</p:sld>
+</file>
+
+<file path=ppt/slides/slide6.xml><?xml version="1.0" encoding="utf-8"?>
+<p:sld xmlns:a="http://schemas.openxmlformats.org/drawingml/2006/main" xmlns:r="http://schemas.openxmlformats.org/officeDocument/2006/relationships" xmlns:p="http://schemas.openxmlformats.org/presentationml/2006/main">
+  <p:cSld>
+    <p:spTree>
+      <p:nvGrpSpPr>
+        <p:cNvPr id="1" name=""/>
+        <p:cNvGrpSpPr/>
+        <p:nvPr/>
+      </p:nvGrpSpPr>
+      <p:grpSpPr>
+        <a:xfrm>
+          <a:off x="0" y="0"/>
+          <a:ext cx="0" cy="0"/>
+          <a:chOff x="0" y="0"/>
+          <a:chExt cx="0" cy="0"/>
+        </a:xfrm>
+      </p:grpSpPr>
+      <p:sp>
+        <p:nvSpPr>
+          <p:cNvPr id="2" name="TextBox 1"/>
+          <p:cNvSpPr txBox="1"/>
+          <p:nvPr/>
+        </p:nvSpPr>
+        <p:spPr>
+          <a:xfrm>
+            <a:off x="3633952" y="2522483"/>
+            <a:ext cx="5699233" cy="1569660"/>
+          </a:xfrm>
+          <a:prstGeom prst="rect">
+            <a:avLst/>
+          </a:prstGeom>
+          <a:noFill/>
+        </p:spPr>
+        <p:txBody>
+          <a:bodyPr wrap="square" rtlCol="0">
+            <a:spAutoFit/>
+          </a:bodyPr>
+          <a:lstStyle/>
+          <a:p>
+            <a:r>
+              <a:rPr lang="en-US" sz="9600" dirty="0" smtClean="0"/>
+              <a:t>THANKS</a:t>
+            </a:r>
+            <a:endParaRPr lang="en-US" sz="9600" dirty="0"/>
+          </a:p>
+        </p:txBody>
+      </p:sp>
+    </p:spTree>
+    <p:extLst>
+      <p:ext uri="{BB962C8B-B14F-4D97-AF65-F5344CB8AC3E}">
+        <p14:creationId xmlns:p14="http://schemas.microsoft.com/office/powerpoint/2010/main" val="522981986"/>
       </p:ext>
     </p:extLst>
   </p:cSld>

--- a/Chit Fund.pptx
+++ b/Chit Fund.pptx
@@ -21008,7 +21008,35 @@
             </a:r>
             <a:r>
               <a:rPr lang="en-US" dirty="0"/>
-              <a:t>the funds however he wants.  </a:t>
+              <a:t>the funds however he wants</a:t>
+            </a:r>
+            <a:r>
+              <a:rPr lang="en-US" dirty="0" smtClean="0"/>
+              <a:t>. </a:t>
+            </a:r>
+            <a:r>
+              <a:rPr lang="en-US" dirty="0" err="1" smtClean="0"/>
+              <a:t>Umlike</a:t>
+            </a:r>
+            <a:r>
+              <a:rPr lang="en-US" dirty="0" smtClean="0"/>
+              <a:t> loans where </a:t>
+            </a:r>
+            <a:r>
+              <a:rPr lang="en-US" dirty="0" err="1" smtClean="0"/>
+              <a:t>theres</a:t>
+            </a:r>
+            <a:r>
+              <a:rPr lang="en-US" dirty="0" smtClean="0"/>
+              <a:t> a restriction </a:t>
+            </a:r>
+            <a:r>
+              <a:rPr lang="en-US" smtClean="0"/>
+              <a:t>of usage.</a:t>
+            </a:r>
+            <a:r>
+              <a:rPr lang="en-US" dirty="0"/>
+              <a:t>  </a:t>
             </a:r>
           </a:p>
           <a:p>
@@ -21289,14 +21317,14 @@
           <a:p>
             <a:r>
               <a:rPr lang="en-US" dirty="0" smtClean="0"/>
-              <a:t>2. ‘Trust members Chit’ to avoid collateral . The organizer then creates the chit with trusted members avoiding need </a:t>
-            </a:r>
-            <a:r>
-              <a:rPr lang="en-US" smtClean="0"/>
-              <a:t>for collateral.</a:t>
+              <a:t>2. ‘Trust members Chit’ to avoid collateral . The organizer then creates the chit with trusted members avoiding need for collateral.</a:t>
             </a:r>
           </a:p>
           <a:p>
+            <a:r>
+              <a:rPr lang="en-US" dirty="0" smtClean="0"/>
+              <a:t>3. Introduce who create Chit . Like only users with stake in the network or something.</a:t>
+            </a:r>
             <a:endParaRPr lang="en-US" dirty="0"/>
           </a:p>
         </p:txBody>
